--- a/Prism6/Prism6.pptx
+++ b/Prism6/Prism6.pptx
@@ -6,6 +6,11 @@
   </p:sldMasterIdLst>
   <p:sldIdLst>
     <p:sldId id="256" r:id="rId2"/>
+    <p:sldId id="257" r:id="rId3"/>
+    <p:sldId id="258" r:id="rId4"/>
+    <p:sldId id="259" r:id="rId5"/>
+    <p:sldId id="260" r:id="rId6"/>
+    <p:sldId id="261" r:id="rId7"/>
   </p:sldIdLst>
   <p:sldSz cx="12192000" cy="6858000"/>
   <p:notesSz cx="6858000" cy="9144000"/>
@@ -104,6 +109,11 @@
       </a:defRPr>
     </a:lvl9pPr>
   </p:defaultTextStyle>
+  <p:extLst>
+    <p:ext uri="{EFAFB233-063F-42B5-8137-9DF3F51BA10A}">
+      <p15:sldGuideLst xmlns:p15="http://schemas.microsoft.com/office/powerpoint/2012/main"/>
+    </p:ext>
+  </p:extLst>
 </p:presentation>
 </file>
 
@@ -3029,6 +3039,1448 @@
 </p:sld>
 </file>
 
+<file path=ppt/slides/slide2.xml><?xml version="1.0" encoding="utf-8"?>
+<p:sld xmlns:a="http://schemas.openxmlformats.org/drawingml/2006/main" xmlns:r="http://schemas.openxmlformats.org/officeDocument/2006/relationships" xmlns:p="http://schemas.openxmlformats.org/presentationml/2006/main">
+  <p:cSld>
+    <p:spTree>
+      <p:nvGrpSpPr>
+        <p:cNvPr id="1" name=""/>
+        <p:cNvGrpSpPr/>
+        <p:nvPr/>
+      </p:nvGrpSpPr>
+      <p:grpSpPr>
+        <a:xfrm>
+          <a:off x="0" y="0"/>
+          <a:ext cx="0" cy="0"/>
+          <a:chOff x="0" y="0"/>
+          <a:chExt cx="0" cy="0"/>
+        </a:xfrm>
+      </p:grpSpPr>
+      <p:sp>
+        <p:nvSpPr>
+          <p:cNvPr id="2" name="Titel 1"/>
+          <p:cNvSpPr>
+            <a:spLocks noGrp="1"/>
+          </p:cNvSpPr>
+          <p:nvPr>
+            <p:ph type="title"/>
+          </p:nvPr>
+        </p:nvSpPr>
+        <p:spPr/>
+        <p:txBody>
+          <a:bodyPr/>
+          <a:lstStyle/>
+          <a:p>
+            <a:r>
+              <a:rPr lang="de-DE" dirty="0" smtClean="0"/>
+              <a:t>Was ist Prism?</a:t>
+            </a:r>
+            <a:endParaRPr lang="de-DE" dirty="0"/>
+          </a:p>
+        </p:txBody>
+      </p:sp>
+      <p:sp>
+        <p:nvSpPr>
+          <p:cNvPr id="3" name="Inhaltsplatzhalter 2"/>
+          <p:cNvSpPr>
+            <a:spLocks noGrp="1"/>
+          </p:cNvSpPr>
+          <p:nvPr>
+            <p:ph idx="1"/>
+          </p:nvPr>
+        </p:nvSpPr>
+        <p:spPr/>
+        <p:txBody>
+          <a:bodyPr/>
+          <a:lstStyle/>
+          <a:p>
+            <a:r>
+              <a:rPr lang="de-DE" dirty="0" smtClean="0"/>
+              <a:t>Applikations-Framework zur Erstellung von</a:t>
+            </a:r>
+          </a:p>
+          <a:p>
+            <a:pPr lvl="1"/>
+            <a:r>
+              <a:rPr lang="de-DE" dirty="0" smtClean="0"/>
+              <a:t>Lose gekoppelten</a:t>
+            </a:r>
+          </a:p>
+          <a:p>
+            <a:pPr lvl="1"/>
+            <a:r>
+              <a:rPr lang="de-DE" dirty="0" smtClean="0"/>
+              <a:t>wartbaren</a:t>
+            </a:r>
+          </a:p>
+          <a:p>
+            <a:pPr lvl="1"/>
+            <a:r>
+              <a:rPr lang="de-DE" dirty="0" smtClean="0"/>
+              <a:t>testbaren</a:t>
+            </a:r>
+          </a:p>
+          <a:p>
+            <a:pPr lvl="1"/>
+            <a:r>
+              <a:rPr lang="de-DE" dirty="0" smtClean="0"/>
+              <a:t>WPF-, UWP- und </a:t>
+            </a:r>
+            <a:r>
+              <a:rPr lang="de-DE" dirty="0" err="1" smtClean="0"/>
+              <a:t>Xamarian</a:t>
+            </a:r>
+            <a:r>
+              <a:rPr lang="de-DE" dirty="0" smtClean="0"/>
+              <a:t> Forms - Applikationen</a:t>
+            </a:r>
+          </a:p>
+          <a:p>
+            <a:endParaRPr lang="de-DE" dirty="0"/>
+          </a:p>
+        </p:txBody>
+      </p:sp>
+    </p:spTree>
+    <p:extLst>
+      <p:ext uri="{BB962C8B-B14F-4D97-AF65-F5344CB8AC3E}">
+        <p14:creationId xmlns:p14="http://schemas.microsoft.com/office/powerpoint/2010/main" val="3637875960"/>
+      </p:ext>
+    </p:extLst>
+  </p:cSld>
+  <p:clrMapOvr>
+    <a:masterClrMapping/>
+  </p:clrMapOvr>
+</p:sld>
+</file>
+
+<file path=ppt/slides/slide3.xml><?xml version="1.0" encoding="utf-8"?>
+<p:sld xmlns:a="http://schemas.openxmlformats.org/drawingml/2006/main" xmlns:r="http://schemas.openxmlformats.org/officeDocument/2006/relationships" xmlns:p="http://schemas.openxmlformats.org/presentationml/2006/main">
+  <p:cSld>
+    <p:spTree>
+      <p:nvGrpSpPr>
+        <p:cNvPr id="1" name=""/>
+        <p:cNvGrpSpPr/>
+        <p:nvPr/>
+      </p:nvGrpSpPr>
+      <p:grpSpPr>
+        <a:xfrm>
+          <a:off x="0" y="0"/>
+          <a:ext cx="0" cy="0"/>
+          <a:chOff x="0" y="0"/>
+          <a:chExt cx="0" cy="0"/>
+        </a:xfrm>
+      </p:grpSpPr>
+      <p:sp>
+        <p:nvSpPr>
+          <p:cNvPr id="2" name="Titel 1"/>
+          <p:cNvSpPr>
+            <a:spLocks noGrp="1"/>
+          </p:cNvSpPr>
+          <p:nvPr>
+            <p:ph type="title"/>
+          </p:nvPr>
+        </p:nvSpPr>
+        <p:spPr/>
+        <p:txBody>
+          <a:bodyPr/>
+          <a:lstStyle/>
+          <a:p>
+            <a:r>
+              <a:rPr lang="de-DE" dirty="0" smtClean="0"/>
+              <a:t>Was benötigen wir alles?</a:t>
+            </a:r>
+            <a:endParaRPr lang="de-DE" dirty="0"/>
+          </a:p>
+        </p:txBody>
+      </p:sp>
+      <p:pic>
+        <p:nvPicPr>
+          <p:cNvPr id="4" name="Inhaltsplatzhalter 3"/>
+          <p:cNvPicPr>
+            <a:picLocks noGrp="1" noChangeAspect="1"/>
+          </p:cNvPicPr>
+          <p:nvPr>
+            <p:ph idx="1"/>
+          </p:nvPr>
+        </p:nvPicPr>
+        <p:blipFill>
+          <a:blip r:embed="rId2">
+            <a:extLst>
+              <a:ext uri="{28A0092B-C50C-407E-A947-70E740481C1C}">
+                <a14:useLocalDpi xmlns:a14="http://schemas.microsoft.com/office/drawing/2010/main" val="0"/>
+              </a:ext>
+            </a:extLst>
+          </a:blip>
+          <a:stretch>
+            <a:fillRect/>
+          </a:stretch>
+        </p:blipFill>
+        <p:spPr>
+          <a:xfrm>
+            <a:off x="1188931" y="1690688"/>
+            <a:ext cx="4763165" cy="1419423"/>
+          </a:xfrm>
+        </p:spPr>
+      </p:pic>
+      <p:graphicFrame>
+        <p:nvGraphicFramePr>
+          <p:cNvPr id="5" name="Tabelle 4"/>
+          <p:cNvGraphicFramePr>
+            <a:graphicFrameLocks noGrp="1"/>
+          </p:cNvGraphicFramePr>
+          <p:nvPr>
+            <p:extLst>
+              <p:ext uri="{D42A27DB-BD31-4B8C-83A1-F6EECF244321}">
+                <p14:modId xmlns:p14="http://schemas.microsoft.com/office/powerpoint/2010/main" val="681644255"/>
+              </p:ext>
+            </p:extLst>
+          </p:nvPr>
+        </p:nvGraphicFramePr>
+        <p:xfrm>
+          <a:off x="838200" y="3784374"/>
+          <a:ext cx="10515604" cy="2560320"/>
+        </p:xfrm>
+        <a:graphic>
+          <a:graphicData uri="http://schemas.openxmlformats.org/drawingml/2006/table">
+            <a:tbl>
+              <a:tblPr/>
+              <a:tblGrid>
+                <a:gridCol w="2628901">
+                  <a:extLst>
+                    <a:ext uri="{9D8B030D-6E8A-4147-A177-3AD203B41FA5}">
+                      <a16:colId xmlns:a16="http://schemas.microsoft.com/office/drawing/2014/main" val="2002296266"/>
+                    </a:ext>
+                  </a:extLst>
+                </a:gridCol>
+                <a:gridCol w="2628901">
+                  <a:extLst>
+                    <a:ext uri="{9D8B030D-6E8A-4147-A177-3AD203B41FA5}">
+                      <a16:colId xmlns:a16="http://schemas.microsoft.com/office/drawing/2014/main" val="3111150122"/>
+                    </a:ext>
+                  </a:extLst>
+                </a:gridCol>
+                <a:gridCol w="2628901">
+                  <a:extLst>
+                    <a:ext uri="{9D8B030D-6E8A-4147-A177-3AD203B41FA5}">
+                      <a16:colId xmlns:a16="http://schemas.microsoft.com/office/drawing/2014/main" val="1415587106"/>
+                    </a:ext>
+                  </a:extLst>
+                </a:gridCol>
+                <a:gridCol w="2628901">
+                  <a:extLst>
+                    <a:ext uri="{9D8B030D-6E8A-4147-A177-3AD203B41FA5}">
+                      <a16:colId xmlns:a16="http://schemas.microsoft.com/office/drawing/2014/main" val="1785623964"/>
+                    </a:ext>
+                  </a:extLst>
+                </a:gridCol>
+              </a:tblGrid>
+              <a:tr h="354498">
+                <a:tc>
+                  <a:txBody>
+                    <a:bodyPr/>
+                    <a:lstStyle/>
+                    <a:p>
+                      <a:r>
+                        <a:rPr lang="de-DE" b="1" dirty="0" err="1"/>
+                        <a:t>Platform</a:t>
+                      </a:r>
+                      <a:endParaRPr lang="de-DE" b="1" dirty="0"/>
+                    </a:p>
+                  </a:txBody>
+                  <a:tcPr anchor="ctr">
+                    <a:lnL>
+                      <a:noFill/>
+                    </a:lnL>
+                    <a:lnR>
+                      <a:noFill/>
+                    </a:lnR>
+                    <a:lnT>
+                      <a:noFill/>
+                    </a:lnT>
+                    <a:lnB>
+                      <a:noFill/>
+                    </a:lnB>
+                  </a:tcPr>
+                </a:tc>
+                <a:tc>
+                  <a:txBody>
+                    <a:bodyPr/>
+                    <a:lstStyle/>
+                    <a:p>
+                      <a:r>
+                        <a:rPr lang="de-DE" b="1" dirty="0" err="1"/>
+                        <a:t>Assembly</a:t>
+                      </a:r>
+                      <a:endParaRPr lang="de-DE" b="1" dirty="0"/>
+                    </a:p>
+                  </a:txBody>
+                  <a:tcPr anchor="ctr">
+                    <a:lnL>
+                      <a:noFill/>
+                    </a:lnL>
+                    <a:lnR>
+                      <a:noFill/>
+                    </a:lnR>
+                    <a:lnT>
+                      <a:noFill/>
+                    </a:lnT>
+                    <a:lnB>
+                      <a:noFill/>
+                    </a:lnB>
+                  </a:tcPr>
+                </a:tc>
+                <a:tc>
+                  <a:txBody>
+                    <a:bodyPr/>
+                    <a:lstStyle/>
+                    <a:p>
+                      <a:r>
+                        <a:rPr lang="de-DE" b="1" dirty="0"/>
+                        <a:t>Package</a:t>
+                      </a:r>
+                    </a:p>
+                  </a:txBody>
+                  <a:tcPr anchor="ctr">
+                    <a:lnL>
+                      <a:noFill/>
+                    </a:lnL>
+                    <a:lnR>
+                      <a:noFill/>
+                    </a:lnR>
+                    <a:lnT>
+                      <a:noFill/>
+                    </a:lnT>
+                    <a:lnB>
+                      <a:noFill/>
+                    </a:lnB>
+                  </a:tcPr>
+                </a:tc>
+                <a:tc>
+                  <a:txBody>
+                    <a:bodyPr/>
+                    <a:lstStyle/>
+                    <a:p>
+                      <a:endParaRPr lang="de-DE" dirty="0"/>
+                    </a:p>
+                  </a:txBody>
+                  <a:tcPr anchor="ctr">
+                    <a:lnL>
+                      <a:noFill/>
+                    </a:lnL>
+                    <a:lnR>
+                      <a:noFill/>
+                    </a:lnR>
+                    <a:lnT>
+                      <a:noFill/>
+                    </a:lnT>
+                    <a:lnB>
+                      <a:noFill/>
+                    </a:lnB>
+                  </a:tcPr>
+                </a:tc>
+                <a:extLst>
+                  <a:ext uri="{0D108BD9-81ED-4DB2-BD59-A6C34878D82A}">
+                    <a16:rowId xmlns:a16="http://schemas.microsoft.com/office/drawing/2014/main" val="2845070747"/>
+                  </a:ext>
+                </a:extLst>
+              </a:tr>
+              <a:tr h="354498">
+                <a:tc>
+                  <a:txBody>
+                    <a:bodyPr/>
+                    <a:lstStyle/>
+                    <a:p>
+                      <a:r>
+                        <a:rPr lang="de-DE"/>
+                        <a:t>PCL</a:t>
+                      </a:r>
+                    </a:p>
+                  </a:txBody>
+                  <a:tcPr anchor="ctr">
+                    <a:lnL>
+                      <a:noFill/>
+                    </a:lnL>
+                    <a:lnR>
+                      <a:noFill/>
+                    </a:lnR>
+                    <a:lnT>
+                      <a:noFill/>
+                    </a:lnT>
+                    <a:lnB>
+                      <a:noFill/>
+                    </a:lnB>
+                  </a:tcPr>
+                </a:tc>
+                <a:tc>
+                  <a:txBody>
+                    <a:bodyPr/>
+                    <a:lstStyle/>
+                    <a:p>
+                      <a:r>
+                        <a:rPr lang="de-DE"/>
+                        <a:t>Prism.dll</a:t>
+                      </a:r>
+                    </a:p>
+                  </a:txBody>
+                  <a:tcPr anchor="ctr">
+                    <a:lnL>
+                      <a:noFill/>
+                    </a:lnL>
+                    <a:lnR>
+                      <a:noFill/>
+                    </a:lnR>
+                    <a:lnT>
+                      <a:noFill/>
+                    </a:lnT>
+                    <a:lnB>
+                      <a:noFill/>
+                    </a:lnB>
+                  </a:tcPr>
+                </a:tc>
+                <a:tc>
+                  <a:txBody>
+                    <a:bodyPr/>
+                    <a:lstStyle/>
+                    <a:p>
+                      <a:r>
+                        <a:rPr lang="de-DE">
+                          <a:hlinkClick r:id="rId3"/>
+                        </a:rPr>
+                        <a:t>Prism.Core</a:t>
+                      </a:r>
+                      <a:endParaRPr lang="de-DE"/>
+                    </a:p>
+                  </a:txBody>
+                  <a:tcPr anchor="ctr">
+                    <a:lnL>
+                      <a:noFill/>
+                    </a:lnL>
+                    <a:lnR>
+                      <a:noFill/>
+                    </a:lnR>
+                    <a:lnT>
+                      <a:noFill/>
+                    </a:lnT>
+                    <a:lnB>
+                      <a:noFill/>
+                    </a:lnB>
+                  </a:tcPr>
+                </a:tc>
+                <a:tc>
+                  <a:txBody>
+                    <a:bodyPr/>
+                    <a:lstStyle/>
+                    <a:p>
+                      <a:endParaRPr lang="de-DE"/>
+                    </a:p>
+                  </a:txBody>
+                  <a:tcPr anchor="ctr">
+                    <a:lnL>
+                      <a:noFill/>
+                    </a:lnL>
+                    <a:lnR>
+                      <a:noFill/>
+                    </a:lnR>
+                    <a:lnT>
+                      <a:noFill/>
+                    </a:lnT>
+                    <a:lnB>
+                      <a:noFill/>
+                    </a:lnB>
+                  </a:tcPr>
+                </a:tc>
+                <a:extLst>
+                  <a:ext uri="{0D108BD9-81ED-4DB2-BD59-A6C34878D82A}">
+                    <a16:rowId xmlns:a16="http://schemas.microsoft.com/office/drawing/2014/main" val="2428256120"/>
+                  </a:ext>
+                </a:extLst>
+              </a:tr>
+              <a:tr h="354498">
+                <a:tc>
+                  <a:txBody>
+                    <a:bodyPr/>
+                    <a:lstStyle/>
+                    <a:p>
+                      <a:r>
+                        <a:rPr lang="de-DE"/>
+                        <a:t>WPF</a:t>
+                      </a:r>
+                    </a:p>
+                  </a:txBody>
+                  <a:tcPr anchor="ctr">
+                    <a:lnL>
+                      <a:noFill/>
+                    </a:lnL>
+                    <a:lnR>
+                      <a:noFill/>
+                    </a:lnR>
+                    <a:lnT>
+                      <a:noFill/>
+                    </a:lnT>
+                    <a:lnB>
+                      <a:noFill/>
+                    </a:lnB>
+                  </a:tcPr>
+                </a:tc>
+                <a:tc>
+                  <a:txBody>
+                    <a:bodyPr/>
+                    <a:lstStyle/>
+                    <a:p>
+                      <a:r>
+                        <a:rPr lang="de-DE"/>
+                        <a:t>Prism.Wpf.dll</a:t>
+                      </a:r>
+                    </a:p>
+                  </a:txBody>
+                  <a:tcPr anchor="ctr">
+                    <a:lnL>
+                      <a:noFill/>
+                    </a:lnL>
+                    <a:lnR>
+                      <a:noFill/>
+                    </a:lnR>
+                    <a:lnT>
+                      <a:noFill/>
+                    </a:lnT>
+                    <a:lnB>
+                      <a:noFill/>
+                    </a:lnB>
+                  </a:tcPr>
+                </a:tc>
+                <a:tc>
+                  <a:txBody>
+                    <a:bodyPr/>
+                    <a:lstStyle/>
+                    <a:p>
+                      <a:r>
+                        <a:rPr lang="de-DE">
+                          <a:hlinkClick r:id="rId4"/>
+                        </a:rPr>
+                        <a:t>Prism.Wpf</a:t>
+                      </a:r>
+                      <a:endParaRPr lang="de-DE"/>
+                    </a:p>
+                  </a:txBody>
+                  <a:tcPr anchor="ctr">
+                    <a:lnL>
+                      <a:noFill/>
+                    </a:lnL>
+                    <a:lnR>
+                      <a:noFill/>
+                    </a:lnR>
+                    <a:lnT>
+                      <a:noFill/>
+                    </a:lnT>
+                    <a:lnB>
+                      <a:noFill/>
+                    </a:lnB>
+                  </a:tcPr>
+                </a:tc>
+                <a:tc>
+                  <a:txBody>
+                    <a:bodyPr/>
+                    <a:lstStyle/>
+                    <a:p>
+                      <a:endParaRPr lang="de-DE"/>
+                    </a:p>
+                  </a:txBody>
+                  <a:tcPr anchor="ctr">
+                    <a:lnL>
+                      <a:noFill/>
+                    </a:lnL>
+                    <a:lnR>
+                      <a:noFill/>
+                    </a:lnR>
+                    <a:lnT>
+                      <a:noFill/>
+                    </a:lnT>
+                    <a:lnB>
+                      <a:noFill/>
+                    </a:lnB>
+                  </a:tcPr>
+                </a:tc>
+                <a:extLst>
+                  <a:ext uri="{0D108BD9-81ED-4DB2-BD59-A6C34878D82A}">
+                    <a16:rowId xmlns:a16="http://schemas.microsoft.com/office/drawing/2014/main" val="1039301289"/>
+                  </a:ext>
+                </a:extLst>
+              </a:tr>
+              <a:tr h="354498">
+                <a:tc>
+                  <a:txBody>
+                    <a:bodyPr/>
+                    <a:lstStyle/>
+                    <a:p>
+                      <a:r>
+                        <a:rPr lang="de-DE"/>
+                        <a:t>Xamarin.Forms</a:t>
+                      </a:r>
+                    </a:p>
+                  </a:txBody>
+                  <a:tcPr anchor="ctr">
+                    <a:lnL>
+                      <a:noFill/>
+                    </a:lnL>
+                    <a:lnR>
+                      <a:noFill/>
+                    </a:lnR>
+                    <a:lnT>
+                      <a:noFill/>
+                    </a:lnT>
+                    <a:lnB>
+                      <a:noFill/>
+                    </a:lnB>
+                  </a:tcPr>
+                </a:tc>
+                <a:tc>
+                  <a:txBody>
+                    <a:bodyPr/>
+                    <a:lstStyle/>
+                    <a:p>
+                      <a:r>
+                        <a:rPr lang="de-DE"/>
+                        <a:t>Prism.Forms.dll</a:t>
+                      </a:r>
+                    </a:p>
+                  </a:txBody>
+                  <a:tcPr anchor="ctr">
+                    <a:lnL>
+                      <a:noFill/>
+                    </a:lnL>
+                    <a:lnR>
+                      <a:noFill/>
+                    </a:lnR>
+                    <a:lnT>
+                      <a:noFill/>
+                    </a:lnT>
+                    <a:lnB>
+                      <a:noFill/>
+                    </a:lnB>
+                  </a:tcPr>
+                </a:tc>
+                <a:tc>
+                  <a:txBody>
+                    <a:bodyPr/>
+                    <a:lstStyle/>
+                    <a:p>
+                      <a:r>
+                        <a:rPr lang="de-DE">
+                          <a:hlinkClick r:id="rId5"/>
+                        </a:rPr>
+                        <a:t>Prism.Forms</a:t>
+                      </a:r>
+                      <a:endParaRPr lang="de-DE"/>
+                    </a:p>
+                  </a:txBody>
+                  <a:tcPr anchor="ctr">
+                    <a:lnL>
+                      <a:noFill/>
+                    </a:lnL>
+                    <a:lnR>
+                      <a:noFill/>
+                    </a:lnR>
+                    <a:lnT>
+                      <a:noFill/>
+                    </a:lnT>
+                    <a:lnB>
+                      <a:noFill/>
+                    </a:lnB>
+                  </a:tcPr>
+                </a:tc>
+                <a:tc>
+                  <a:txBody>
+                    <a:bodyPr/>
+                    <a:lstStyle/>
+                    <a:p>
+                      <a:endParaRPr lang="de-DE"/>
+                    </a:p>
+                  </a:txBody>
+                  <a:tcPr anchor="ctr">
+                    <a:lnL>
+                      <a:noFill/>
+                    </a:lnL>
+                    <a:lnR>
+                      <a:noFill/>
+                    </a:lnR>
+                    <a:lnT>
+                      <a:noFill/>
+                    </a:lnT>
+                    <a:lnB>
+                      <a:noFill/>
+                    </a:lnB>
+                  </a:tcPr>
+                </a:tc>
+                <a:extLst>
+                  <a:ext uri="{0D108BD9-81ED-4DB2-BD59-A6C34878D82A}">
+                    <a16:rowId xmlns:a16="http://schemas.microsoft.com/office/drawing/2014/main" val="1154000758"/>
+                  </a:ext>
+                </a:extLst>
+              </a:tr>
+              <a:tr h="354498">
+                <a:tc>
+                  <a:txBody>
+                    <a:bodyPr/>
+                    <a:lstStyle/>
+                    <a:p>
+                      <a:r>
+                        <a:rPr lang="de-DE" dirty="0"/>
+                        <a:t>Windows 10 UWP</a:t>
+                      </a:r>
+                    </a:p>
+                  </a:txBody>
+                  <a:tcPr anchor="ctr">
+                    <a:lnL>
+                      <a:noFill/>
+                    </a:lnL>
+                    <a:lnR>
+                      <a:noFill/>
+                    </a:lnR>
+                    <a:lnT>
+                      <a:noFill/>
+                    </a:lnT>
+                    <a:lnB>
+                      <a:noFill/>
+                    </a:lnB>
+                  </a:tcPr>
+                </a:tc>
+                <a:tc>
+                  <a:txBody>
+                    <a:bodyPr/>
+                    <a:lstStyle/>
+                    <a:p>
+                      <a:r>
+                        <a:rPr lang="de-DE"/>
+                        <a:t>Prism.Windows.dll</a:t>
+                      </a:r>
+                    </a:p>
+                  </a:txBody>
+                  <a:tcPr anchor="ctr">
+                    <a:lnL>
+                      <a:noFill/>
+                    </a:lnL>
+                    <a:lnR>
+                      <a:noFill/>
+                    </a:lnR>
+                    <a:lnT>
+                      <a:noFill/>
+                    </a:lnT>
+                    <a:lnB>
+                      <a:noFill/>
+                    </a:lnB>
+                  </a:tcPr>
+                </a:tc>
+                <a:tc>
+                  <a:txBody>
+                    <a:bodyPr/>
+                    <a:lstStyle/>
+                    <a:p>
+                      <a:r>
+                        <a:rPr lang="de-DE" dirty="0" err="1" smtClean="0">
+                          <a:hlinkClick r:id="rId6"/>
+                        </a:rPr>
+                        <a:t>Prism.Windows</a:t>
+                      </a:r>
+                      <a:endParaRPr lang="de-DE" dirty="0" smtClean="0"/>
+                    </a:p>
+                  </a:txBody>
+                  <a:tcPr anchor="ctr">
+                    <a:lnL>
+                      <a:noFill/>
+                    </a:lnL>
+                    <a:lnR>
+                      <a:noFill/>
+                    </a:lnR>
+                    <a:lnT>
+                      <a:noFill/>
+                    </a:lnT>
+                    <a:lnB>
+                      <a:noFill/>
+                    </a:lnB>
+                  </a:tcPr>
+                </a:tc>
+                <a:tc>
+                  <a:txBody>
+                    <a:bodyPr/>
+                    <a:lstStyle/>
+                    <a:p>
+                      <a:endParaRPr lang="de-DE" dirty="0" smtClean="0"/>
+                    </a:p>
+                  </a:txBody>
+                  <a:tcPr anchor="ctr">
+                    <a:lnL>
+                      <a:noFill/>
+                    </a:lnL>
+                    <a:lnR>
+                      <a:noFill/>
+                    </a:lnR>
+                    <a:lnT>
+                      <a:noFill/>
+                    </a:lnT>
+                    <a:lnB>
+                      <a:noFill/>
+                    </a:lnB>
+                  </a:tcPr>
+                </a:tc>
+                <a:extLst>
+                  <a:ext uri="{0D108BD9-81ED-4DB2-BD59-A6C34878D82A}">
+                    <a16:rowId xmlns:a16="http://schemas.microsoft.com/office/drawing/2014/main" val="4108428163"/>
+                  </a:ext>
+                </a:extLst>
+              </a:tr>
+              <a:tr h="354498">
+                <a:tc>
+                  <a:txBody>
+                    <a:bodyPr/>
+                    <a:lstStyle/>
+                    <a:p>
+                      <a:r>
+                        <a:rPr lang="de-DE" b="1" dirty="0" err="1" smtClean="0"/>
+                        <a:t>IoC</a:t>
+                      </a:r>
+                      <a:r>
+                        <a:rPr lang="de-DE" b="1" dirty="0" smtClean="0"/>
+                        <a:t>-Container</a:t>
+                      </a:r>
+                      <a:endParaRPr lang="de-DE" b="1" dirty="0"/>
+                    </a:p>
+                  </a:txBody>
+                  <a:tcPr anchor="ctr">
+                    <a:lnL>
+                      <a:noFill/>
+                    </a:lnL>
+                    <a:lnR>
+                      <a:noFill/>
+                    </a:lnR>
+                    <a:lnT>
+                      <a:noFill/>
+                    </a:lnT>
+                    <a:lnB>
+                      <a:noFill/>
+                    </a:lnB>
+                  </a:tcPr>
+                </a:tc>
+                <a:tc>
+                  <a:txBody>
+                    <a:bodyPr/>
+                    <a:lstStyle/>
+                    <a:p>
+                      <a:endParaRPr lang="de-DE" dirty="0"/>
+                    </a:p>
+                  </a:txBody>
+                  <a:tcPr anchor="ctr">
+                    <a:lnL>
+                      <a:noFill/>
+                    </a:lnL>
+                    <a:lnR>
+                      <a:noFill/>
+                    </a:lnR>
+                    <a:lnT>
+                      <a:noFill/>
+                    </a:lnT>
+                    <a:lnB>
+                      <a:noFill/>
+                    </a:lnB>
+                  </a:tcPr>
+                </a:tc>
+                <a:tc>
+                  <a:txBody>
+                    <a:bodyPr/>
+                    <a:lstStyle/>
+                    <a:p>
+                      <a:endParaRPr lang="de-DE" dirty="0" smtClean="0"/>
+                    </a:p>
+                  </a:txBody>
+                  <a:tcPr anchor="ctr">
+                    <a:lnL>
+                      <a:noFill/>
+                    </a:lnL>
+                    <a:lnR>
+                      <a:noFill/>
+                    </a:lnR>
+                    <a:lnT>
+                      <a:noFill/>
+                    </a:lnT>
+                    <a:lnB>
+                      <a:noFill/>
+                    </a:lnB>
+                  </a:tcPr>
+                </a:tc>
+                <a:tc>
+                  <a:txBody>
+                    <a:bodyPr/>
+                    <a:lstStyle/>
+                    <a:p>
+                      <a:endParaRPr lang="de-DE" dirty="0" smtClean="0"/>
+                    </a:p>
+                  </a:txBody>
+                  <a:tcPr anchor="ctr">
+                    <a:lnL>
+                      <a:noFill/>
+                    </a:lnL>
+                    <a:lnR>
+                      <a:noFill/>
+                    </a:lnR>
+                    <a:lnT>
+                      <a:noFill/>
+                    </a:lnT>
+                    <a:lnB>
+                      <a:noFill/>
+                    </a:lnB>
+                  </a:tcPr>
+                </a:tc>
+                <a:extLst>
+                  <a:ext uri="{0D108BD9-81ED-4DB2-BD59-A6C34878D82A}">
+                    <a16:rowId xmlns:a16="http://schemas.microsoft.com/office/drawing/2014/main" val="2644339018"/>
+                  </a:ext>
+                </a:extLst>
+              </a:tr>
+              <a:tr h="354498">
+                <a:tc>
+                  <a:txBody>
+                    <a:bodyPr/>
+                    <a:lstStyle/>
+                    <a:p>
+                      <a:r>
+                        <a:rPr lang="de-DE" dirty="0" err="1" smtClean="0"/>
+                        <a:t>Unity</a:t>
+                      </a:r>
+                      <a:endParaRPr lang="de-DE" dirty="0"/>
+                    </a:p>
+                  </a:txBody>
+                  <a:tcPr anchor="ctr">
+                    <a:lnL>
+                      <a:noFill/>
+                    </a:lnL>
+                    <a:lnR>
+                      <a:noFill/>
+                    </a:lnR>
+                    <a:lnT>
+                      <a:noFill/>
+                    </a:lnT>
+                    <a:lnB>
+                      <a:noFill/>
+                    </a:lnB>
+                  </a:tcPr>
+                </a:tc>
+                <a:tc>
+                  <a:txBody>
+                    <a:bodyPr/>
+                    <a:lstStyle/>
+                    <a:p>
+                      <a:r>
+                        <a:rPr lang="de-DE" dirty="0" smtClean="0"/>
+                        <a:t>Prism.Unity.dll</a:t>
+                      </a:r>
+                      <a:endParaRPr lang="de-DE" dirty="0"/>
+                    </a:p>
+                  </a:txBody>
+                  <a:tcPr anchor="ctr">
+                    <a:lnL>
+                      <a:noFill/>
+                    </a:lnL>
+                    <a:lnR>
+                      <a:noFill/>
+                    </a:lnR>
+                    <a:lnT>
+                      <a:noFill/>
+                    </a:lnT>
+                    <a:lnB>
+                      <a:noFill/>
+                    </a:lnB>
+                  </a:tcPr>
+                </a:tc>
+                <a:tc>
+                  <a:txBody>
+                    <a:bodyPr/>
+                    <a:lstStyle/>
+                    <a:p>
+                      <a:r>
+                        <a:rPr lang="de-DE" dirty="0" err="1" smtClean="0">
+                          <a:hlinkClick r:id="rId7"/>
+                        </a:rPr>
+                        <a:t>Prism.Unity</a:t>
+                      </a:r>
+                      <a:endParaRPr lang="de-DE" dirty="0" smtClean="0"/>
+                    </a:p>
+                  </a:txBody>
+                  <a:tcPr anchor="ctr">
+                    <a:lnL>
+                      <a:noFill/>
+                    </a:lnL>
+                    <a:lnR>
+                      <a:noFill/>
+                    </a:lnR>
+                    <a:lnT>
+                      <a:noFill/>
+                    </a:lnT>
+                    <a:lnB>
+                      <a:noFill/>
+                    </a:lnB>
+                  </a:tcPr>
+                </a:tc>
+                <a:tc>
+                  <a:txBody>
+                    <a:bodyPr/>
+                    <a:lstStyle/>
+                    <a:p>
+                      <a:endParaRPr lang="de-DE" dirty="0" smtClean="0"/>
+                    </a:p>
+                  </a:txBody>
+                  <a:tcPr anchor="ctr">
+                    <a:lnL>
+                      <a:noFill/>
+                    </a:lnL>
+                    <a:lnR>
+                      <a:noFill/>
+                    </a:lnR>
+                    <a:lnT>
+                      <a:noFill/>
+                    </a:lnT>
+                    <a:lnB>
+                      <a:noFill/>
+                    </a:lnB>
+                  </a:tcPr>
+                </a:tc>
+                <a:extLst>
+                  <a:ext uri="{0D108BD9-81ED-4DB2-BD59-A6C34878D82A}">
+                    <a16:rowId xmlns:a16="http://schemas.microsoft.com/office/drawing/2014/main" val="2537259026"/>
+                  </a:ext>
+                </a:extLst>
+              </a:tr>
+            </a:tbl>
+          </a:graphicData>
+        </a:graphic>
+      </p:graphicFrame>
+      <p:sp>
+        <p:nvSpPr>
+          <p:cNvPr id="6" name="AutoShape 1" descr="21"/>
+          <p:cNvSpPr>
+            <a:spLocks noChangeAspect="1" noChangeArrowheads="1"/>
+          </p:cNvSpPr>
+          <p:nvPr/>
+        </p:nvSpPr>
+        <p:spPr bwMode="auto">
+          <a:xfrm>
+            <a:off x="838200" y="3784374"/>
+            <a:ext cx="304800" cy="304800"/>
+          </a:xfrm>
+          <a:prstGeom prst="rect">
+            <a:avLst/>
+          </a:prstGeom>
+          <a:noFill/>
+          <a:extLst>
+            <a:ext uri="{909E8E84-426E-40DD-AFC4-6F175D3DCCD1}">
+              <a14:hiddenFill xmlns:a14="http://schemas.microsoft.com/office/drawing/2010/main">
+                <a:solidFill>
+                  <a:srgbClr val="FFFFFF"/>
+                </a:solidFill>
+              </a14:hiddenFill>
+            </a:ext>
+          </a:extLst>
+        </p:spPr>
+        <p:txBody>
+          <a:bodyPr vert="horz" wrap="square" lIns="91440" tIns="45720" rIns="91440" bIns="45720" numCol="1" anchor="t" anchorCtr="0" compatLnSpc="1">
+            <a:prstTxWarp prst="textNoShape">
+              <a:avLst/>
+            </a:prstTxWarp>
+          </a:bodyPr>
+          <a:lstStyle/>
+          <a:p>
+            <a:endParaRPr lang="de-DE"/>
+          </a:p>
+        </p:txBody>
+      </p:sp>
+      <p:sp>
+        <p:nvSpPr>
+          <p:cNvPr id="7" name="AutoShape 2" descr="22"/>
+          <p:cNvSpPr>
+            <a:spLocks noChangeAspect="1" noChangeArrowheads="1"/>
+          </p:cNvSpPr>
+          <p:nvPr/>
+        </p:nvSpPr>
+        <p:spPr bwMode="auto">
+          <a:xfrm>
+            <a:off x="838200" y="3784374"/>
+            <a:ext cx="304800" cy="304800"/>
+          </a:xfrm>
+          <a:prstGeom prst="rect">
+            <a:avLst/>
+          </a:prstGeom>
+          <a:noFill/>
+          <a:extLst>
+            <a:ext uri="{909E8E84-426E-40DD-AFC4-6F175D3DCCD1}">
+              <a14:hiddenFill xmlns:a14="http://schemas.microsoft.com/office/drawing/2010/main">
+                <a:solidFill>
+                  <a:srgbClr val="FFFFFF"/>
+                </a:solidFill>
+              </a14:hiddenFill>
+            </a:ext>
+          </a:extLst>
+        </p:spPr>
+        <p:txBody>
+          <a:bodyPr vert="horz" wrap="square" lIns="91440" tIns="45720" rIns="91440" bIns="45720" numCol="1" anchor="t" anchorCtr="0" compatLnSpc="1">
+            <a:prstTxWarp prst="textNoShape">
+              <a:avLst/>
+            </a:prstTxWarp>
+          </a:bodyPr>
+          <a:lstStyle/>
+          <a:p>
+            <a:endParaRPr lang="de-DE"/>
+          </a:p>
+        </p:txBody>
+      </p:sp>
+      <p:sp>
+        <p:nvSpPr>
+          <p:cNvPr id="8" name="AutoShape 3" descr="23"/>
+          <p:cNvSpPr>
+            <a:spLocks noChangeAspect="1" noChangeArrowheads="1"/>
+          </p:cNvSpPr>
+          <p:nvPr/>
+        </p:nvSpPr>
+        <p:spPr bwMode="auto">
+          <a:xfrm>
+            <a:off x="838200" y="3784374"/>
+            <a:ext cx="304800" cy="304800"/>
+          </a:xfrm>
+          <a:prstGeom prst="rect">
+            <a:avLst/>
+          </a:prstGeom>
+          <a:noFill/>
+          <a:extLst>
+            <a:ext uri="{909E8E84-426E-40DD-AFC4-6F175D3DCCD1}">
+              <a14:hiddenFill xmlns:a14="http://schemas.microsoft.com/office/drawing/2010/main">
+                <a:solidFill>
+                  <a:srgbClr val="FFFFFF"/>
+                </a:solidFill>
+              </a14:hiddenFill>
+            </a:ext>
+          </a:extLst>
+        </p:spPr>
+        <p:txBody>
+          <a:bodyPr vert="horz" wrap="square" lIns="91440" tIns="45720" rIns="91440" bIns="45720" numCol="1" anchor="t" anchorCtr="0" compatLnSpc="1">
+            <a:prstTxWarp prst="textNoShape">
+              <a:avLst/>
+            </a:prstTxWarp>
+          </a:bodyPr>
+          <a:lstStyle/>
+          <a:p>
+            <a:endParaRPr lang="de-DE"/>
+          </a:p>
+        </p:txBody>
+      </p:sp>
+      <p:sp>
+        <p:nvSpPr>
+          <p:cNvPr id="9" name="AutoShape 4" descr="24"/>
+          <p:cNvSpPr>
+            <a:spLocks noChangeAspect="1" noChangeArrowheads="1"/>
+          </p:cNvSpPr>
+          <p:nvPr/>
+        </p:nvSpPr>
+        <p:spPr bwMode="auto">
+          <a:xfrm>
+            <a:off x="838200" y="3784374"/>
+            <a:ext cx="304800" cy="304800"/>
+          </a:xfrm>
+          <a:prstGeom prst="rect">
+            <a:avLst/>
+          </a:prstGeom>
+          <a:noFill/>
+          <a:extLst>
+            <a:ext uri="{909E8E84-426E-40DD-AFC4-6F175D3DCCD1}">
+              <a14:hiddenFill xmlns:a14="http://schemas.microsoft.com/office/drawing/2010/main">
+                <a:solidFill>
+                  <a:srgbClr val="FFFFFF"/>
+                </a:solidFill>
+              </a14:hiddenFill>
+            </a:ext>
+          </a:extLst>
+        </p:spPr>
+        <p:txBody>
+          <a:bodyPr vert="horz" wrap="square" lIns="91440" tIns="45720" rIns="91440" bIns="45720" numCol="1" anchor="t" anchorCtr="0" compatLnSpc="1">
+            <a:prstTxWarp prst="textNoShape">
+              <a:avLst/>
+            </a:prstTxWarp>
+          </a:bodyPr>
+          <a:lstStyle/>
+          <a:p>
+            <a:endParaRPr lang="de-DE"/>
+          </a:p>
+        </p:txBody>
+      </p:sp>
+    </p:spTree>
+    <p:extLst>
+      <p:ext uri="{BB962C8B-B14F-4D97-AF65-F5344CB8AC3E}">
+        <p14:creationId xmlns:p14="http://schemas.microsoft.com/office/powerpoint/2010/main" val="2479340097"/>
+      </p:ext>
+    </p:extLst>
+  </p:cSld>
+  <p:clrMapOvr>
+    <a:masterClrMapping/>
+  </p:clrMapOvr>
+</p:sld>
+</file>
+
+<file path=ppt/slides/slide4.xml><?xml version="1.0" encoding="utf-8"?>
+<p:sld xmlns:a="http://schemas.openxmlformats.org/drawingml/2006/main" xmlns:r="http://schemas.openxmlformats.org/officeDocument/2006/relationships" xmlns:p="http://schemas.openxmlformats.org/presentationml/2006/main">
+  <p:cSld>
+    <p:spTree>
+      <p:nvGrpSpPr>
+        <p:cNvPr id="1" name=""/>
+        <p:cNvGrpSpPr/>
+        <p:nvPr/>
+      </p:nvGrpSpPr>
+      <p:grpSpPr>
+        <a:xfrm>
+          <a:off x="0" y="0"/>
+          <a:ext cx="0" cy="0"/>
+          <a:chOff x="0" y="0"/>
+          <a:chExt cx="0" cy="0"/>
+        </a:xfrm>
+      </p:grpSpPr>
+      <p:sp>
+        <p:nvSpPr>
+          <p:cNvPr id="2" name="Titel 1"/>
+          <p:cNvSpPr>
+            <a:spLocks noGrp="1"/>
+          </p:cNvSpPr>
+          <p:nvPr>
+            <p:ph type="title"/>
+          </p:nvPr>
+        </p:nvSpPr>
+        <p:spPr/>
+        <p:txBody>
+          <a:bodyPr/>
+          <a:lstStyle/>
+          <a:p>
+            <a:r>
+              <a:rPr lang="de-DE" dirty="0" smtClean="0"/>
+              <a:t>Visual Studio Extension</a:t>
+            </a:r>
+            <a:endParaRPr lang="de-DE" dirty="0"/>
+          </a:p>
+        </p:txBody>
+      </p:sp>
+      <p:pic>
+        <p:nvPicPr>
+          <p:cNvPr id="4" name="Inhaltsplatzhalter 3"/>
+          <p:cNvPicPr>
+            <a:picLocks noGrp="1" noChangeAspect="1"/>
+          </p:cNvPicPr>
+          <p:nvPr>
+            <p:ph idx="1"/>
+          </p:nvPr>
+        </p:nvPicPr>
+        <p:blipFill>
+          <a:blip r:embed="rId2">
+            <a:extLst>
+              <a:ext uri="{28A0092B-C50C-407E-A947-70E740481C1C}">
+                <a14:useLocalDpi xmlns:a14="http://schemas.microsoft.com/office/drawing/2010/main" val="0"/>
+              </a:ext>
+            </a:extLst>
+          </a:blip>
+          <a:stretch>
+            <a:fillRect/>
+          </a:stretch>
+        </p:blipFill>
+        <p:spPr>
+          <a:xfrm>
+            <a:off x="838200" y="1790791"/>
+            <a:ext cx="7408290" cy="4351338"/>
+          </a:xfrm>
+        </p:spPr>
+      </p:pic>
+    </p:spTree>
+    <p:extLst>
+      <p:ext uri="{BB962C8B-B14F-4D97-AF65-F5344CB8AC3E}">
+        <p14:creationId xmlns:p14="http://schemas.microsoft.com/office/powerpoint/2010/main" val="2530686354"/>
+      </p:ext>
+    </p:extLst>
+  </p:cSld>
+  <p:clrMapOvr>
+    <a:masterClrMapping/>
+  </p:clrMapOvr>
+</p:sld>
+</file>
+
+<file path=ppt/slides/slide5.xml><?xml version="1.0" encoding="utf-8"?>
+<p:sld xmlns:a="http://schemas.openxmlformats.org/drawingml/2006/main" xmlns:r="http://schemas.openxmlformats.org/officeDocument/2006/relationships" xmlns:p="http://schemas.openxmlformats.org/presentationml/2006/main">
+  <p:cSld>
+    <p:spTree>
+      <p:nvGrpSpPr>
+        <p:cNvPr id="1" name=""/>
+        <p:cNvGrpSpPr/>
+        <p:nvPr/>
+      </p:nvGrpSpPr>
+      <p:grpSpPr>
+        <a:xfrm>
+          <a:off x="0" y="0"/>
+          <a:ext cx="0" cy="0"/>
+          <a:chOff x="0" y="0"/>
+          <a:chExt cx="0" cy="0"/>
+        </a:xfrm>
+      </p:grpSpPr>
+      <p:sp>
+        <p:nvSpPr>
+          <p:cNvPr id="2" name="Titel 1"/>
+          <p:cNvSpPr>
+            <a:spLocks noGrp="1"/>
+          </p:cNvSpPr>
+          <p:nvPr>
+            <p:ph type="title"/>
+          </p:nvPr>
+        </p:nvSpPr>
+        <p:spPr/>
+        <p:txBody>
+          <a:bodyPr/>
+          <a:lstStyle/>
+          <a:p>
+            <a:r>
+              <a:rPr lang="de-DE" dirty="0" smtClean="0"/>
+              <a:t>Erstellung einer Prism-WPF-Anwendung 1</a:t>
+            </a:r>
+            <a:endParaRPr lang="de-DE" dirty="0"/>
+          </a:p>
+        </p:txBody>
+      </p:sp>
+      <p:sp>
+        <p:nvSpPr>
+          <p:cNvPr id="5" name="Inhaltsplatzhalter 4"/>
+          <p:cNvSpPr>
+            <a:spLocks noGrp="1"/>
+          </p:cNvSpPr>
+          <p:nvPr>
+            <p:ph idx="1"/>
+          </p:nvPr>
+        </p:nvSpPr>
+        <p:spPr/>
+        <p:txBody>
+          <a:bodyPr/>
+          <a:lstStyle/>
+          <a:p>
+            <a:endParaRPr lang="de-DE"/>
+          </a:p>
+        </p:txBody>
+      </p:sp>
+      <p:pic>
+        <p:nvPicPr>
+          <p:cNvPr id="6" name="Grafik 5"/>
+          <p:cNvPicPr>
+            <a:picLocks noChangeAspect="1"/>
+          </p:cNvPicPr>
+          <p:nvPr/>
+        </p:nvPicPr>
+        <p:blipFill>
+          <a:blip r:embed="rId2"/>
+          <a:stretch>
+            <a:fillRect/>
+          </a:stretch>
+        </p:blipFill>
+        <p:spPr>
+          <a:xfrm>
+            <a:off x="838200" y="1825625"/>
+            <a:ext cx="7498730" cy="4191998"/>
+          </a:xfrm>
+          <a:prstGeom prst="rect">
+            <a:avLst/>
+          </a:prstGeom>
+        </p:spPr>
+      </p:pic>
+    </p:spTree>
+    <p:extLst>
+      <p:ext uri="{BB962C8B-B14F-4D97-AF65-F5344CB8AC3E}">
+        <p14:creationId xmlns:p14="http://schemas.microsoft.com/office/powerpoint/2010/main" val="27422726"/>
+      </p:ext>
+    </p:extLst>
+  </p:cSld>
+  <p:clrMapOvr>
+    <a:masterClrMapping/>
+  </p:clrMapOvr>
+</p:sld>
+</file>
+
+<file path=ppt/slides/slide6.xml><?xml version="1.0" encoding="utf-8"?>
+<p:sld xmlns:a="http://schemas.openxmlformats.org/drawingml/2006/main" xmlns:r="http://schemas.openxmlformats.org/officeDocument/2006/relationships" xmlns:p="http://schemas.openxmlformats.org/presentationml/2006/main">
+  <p:cSld>
+    <p:spTree>
+      <p:nvGrpSpPr>
+        <p:cNvPr id="1" name=""/>
+        <p:cNvGrpSpPr/>
+        <p:nvPr/>
+      </p:nvGrpSpPr>
+      <p:grpSpPr>
+        <a:xfrm>
+          <a:off x="0" y="0"/>
+          <a:ext cx="0" cy="0"/>
+          <a:chOff x="0" y="0"/>
+          <a:chExt cx="0" cy="0"/>
+        </a:xfrm>
+      </p:grpSpPr>
+      <p:sp>
+        <p:nvSpPr>
+          <p:cNvPr id="2" name="Titel 1"/>
+          <p:cNvSpPr>
+            <a:spLocks noGrp="1"/>
+          </p:cNvSpPr>
+          <p:nvPr>
+            <p:ph type="title"/>
+          </p:nvPr>
+        </p:nvSpPr>
+        <p:spPr/>
+        <p:txBody>
+          <a:bodyPr/>
+          <a:lstStyle/>
+          <a:p>
+            <a:r>
+              <a:rPr lang="de-DE" dirty="0" smtClean="0"/>
+              <a:t>Erstellung einer WPF-Anwendung 2</a:t>
+            </a:r>
+            <a:endParaRPr lang="de-DE" dirty="0"/>
+          </a:p>
+        </p:txBody>
+      </p:sp>
+      <p:pic>
+        <p:nvPicPr>
+          <p:cNvPr id="4" name="Inhaltsplatzhalter 3"/>
+          <p:cNvPicPr>
+            <a:picLocks noGrp="1" noChangeAspect="1"/>
+          </p:cNvPicPr>
+          <p:nvPr>
+            <p:ph idx="1"/>
+          </p:nvPr>
+        </p:nvPicPr>
+        <p:blipFill>
+          <a:blip r:embed="rId2">
+            <a:extLst>
+              <a:ext uri="{28A0092B-C50C-407E-A947-70E740481C1C}">
+                <a14:useLocalDpi xmlns:a14="http://schemas.microsoft.com/office/drawing/2010/main" val="0"/>
+              </a:ext>
+            </a:extLst>
+          </a:blip>
+          <a:stretch>
+            <a:fillRect/>
+          </a:stretch>
+        </p:blipFill>
+        <p:spPr>
+          <a:xfrm>
+            <a:off x="838200" y="1755956"/>
+            <a:ext cx="7095309" cy="4351338"/>
+          </a:xfrm>
+        </p:spPr>
+      </p:pic>
+    </p:spTree>
+    <p:extLst>
+      <p:ext uri="{BB962C8B-B14F-4D97-AF65-F5344CB8AC3E}">
+        <p14:creationId xmlns:p14="http://schemas.microsoft.com/office/powerpoint/2010/main" val="2993842204"/>
+      </p:ext>
+    </p:extLst>
+  </p:cSld>
+  <p:clrMapOvr>
+    <a:masterClrMapping/>
+  </p:clrMapOvr>
+</p:sld>
+</file>
+
 <file path=ppt/theme/theme1.xml><?xml version="1.0" encoding="utf-8"?>
 <a:theme xmlns:a="http://schemas.openxmlformats.org/drawingml/2006/main" name="Office">
   <a:themeElements>
